--- a/presentations/interim-final.pptx
+++ b/presentations/interim-final.pptx
@@ -7,14 +7,17 @@
   <p:sldIdLst>
     <p:sldId id="256" r:id="rId2"/>
     <p:sldId id="259" r:id="rId3"/>
-    <p:sldId id="260" r:id="rId4"/>
-    <p:sldId id="262" r:id="rId5"/>
-    <p:sldId id="263" r:id="rId6"/>
-    <p:sldId id="264" r:id="rId7"/>
-    <p:sldId id="265" r:id="rId8"/>
-    <p:sldId id="266" r:id="rId9"/>
-    <p:sldId id="257" r:id="rId10"/>
-    <p:sldId id="258" r:id="rId11"/>
+    <p:sldId id="268" r:id="rId4"/>
+    <p:sldId id="260" r:id="rId5"/>
+    <p:sldId id="262" r:id="rId6"/>
+    <p:sldId id="263" r:id="rId7"/>
+    <p:sldId id="264" r:id="rId8"/>
+    <p:sldId id="265" r:id="rId9"/>
+    <p:sldId id="269" r:id="rId10"/>
+    <p:sldId id="266" r:id="rId11"/>
+    <p:sldId id="267" r:id="rId12"/>
+    <p:sldId id="257" r:id="rId13"/>
+    <p:sldId id="258" r:id="rId14"/>
   </p:sldIdLst>
   <p:sldSz cx="9144000" cy="6858000" type="screen4x3"/>
   <p:notesSz cx="6858000" cy="9144000"/>
@@ -3228,13 +3231,13 @@
   <p:clrMapOvr>
     <a:masterClrMapping/>
   </p:clrMapOvr>
-  <mc:AlternateContent xmlns:mc="http://schemas.openxmlformats.org/markup-compatibility/2006">
-    <mc:Choice xmlns:p14="http://schemas.microsoft.com/office/powerpoint/2010/main" Requires="p14">
+  <mc:AlternateContent xmlns:mc="http://schemas.openxmlformats.org/markup-compatibility/2006" xmlns:p14="http://schemas.microsoft.com/office/powerpoint/2010/main">
+    <mc:Choice Requires="p14">
       <p:transition spd="med" p14:dur="700">
         <p:fade/>
       </p:transition>
     </mc:Choice>
-    <mc:Fallback>
+    <mc:Fallback xmlns="">
       <p:transition spd="med">
         <p:fade/>
       </p:transition>
@@ -3269,6 +3272,619 @@
       </p:grpSpPr>
       <p:sp>
         <p:nvSpPr>
+          <p:cNvPr id="2" name="Title 1"/>
+          <p:cNvSpPr>
+            <a:spLocks noGrp="1"/>
+          </p:cNvSpPr>
+          <p:nvPr>
+            <p:ph type="title"/>
+          </p:nvPr>
+        </p:nvSpPr>
+        <p:spPr/>
+        <p:txBody>
+          <a:bodyPr/>
+          <a:lstStyle/>
+          <a:p>
+            <a:r>
+              <a:rPr lang="en-US" dirty="0" smtClean="0"/>
+              <a:t>Gathering Data</a:t>
+            </a:r>
+            <a:endParaRPr lang="en-US" dirty="0"/>
+          </a:p>
+        </p:txBody>
+      </p:sp>
+      <p:sp>
+        <p:nvSpPr>
+          <p:cNvPr id="3" name="Content Placeholder 2"/>
+          <p:cNvSpPr>
+            <a:spLocks noGrp="1"/>
+          </p:cNvSpPr>
+          <p:nvPr>
+            <p:ph idx="1"/>
+          </p:nvPr>
+        </p:nvSpPr>
+        <p:spPr/>
+        <p:txBody>
+          <a:bodyPr/>
+          <a:lstStyle/>
+          <a:p>
+            <a:r>
+              <a:rPr lang="en-US" dirty="0" smtClean="0"/>
+              <a:t>Received Signal Strength is gathered from scenarios mentioned earlier. </a:t>
+            </a:r>
+            <a:endParaRPr lang="en-US" dirty="0" smtClean="0"/>
+          </a:p>
+          <a:p>
+            <a:endParaRPr lang="en-US" dirty="0" smtClean="0"/>
+          </a:p>
+          <a:p>
+            <a:endParaRPr lang="en-US" dirty="0" smtClean="0"/>
+          </a:p>
+          <a:p>
+            <a:endParaRPr lang="en-US" dirty="0"/>
+          </a:p>
+          <a:p>
+            <a:endParaRPr lang="en-US" dirty="0" smtClean="0"/>
+          </a:p>
+          <a:p>
+            <a:r>
+              <a:rPr lang="en-US" dirty="0" smtClean="0"/>
+              <a:t>Using a python script</a:t>
+            </a:r>
+          </a:p>
+          <a:p>
+            <a:pPr lvl="1"/>
+            <a:r>
+              <a:rPr lang="en-US" dirty="0"/>
+              <a:t>http://recolog.blogspot.com/2015/03/plotting-wifi-signal-strength-variation.html</a:t>
+            </a:r>
+          </a:p>
+          <a:p>
+            <a:r>
+              <a:rPr lang="en-US" dirty="0" smtClean="0"/>
+              <a:t>15 minutes </a:t>
+            </a:r>
+            <a:r>
+              <a:rPr lang="en-US" dirty="0" smtClean="0"/>
+              <a:t>of Received Signal Strength  Data</a:t>
+            </a:r>
+          </a:p>
+          <a:p>
+            <a:r>
+              <a:rPr lang="en-US" dirty="0" smtClean="0"/>
+              <a:t>Approximately 6 samples per second (value every 0.333 </a:t>
+            </a:r>
+            <a:r>
+              <a:rPr lang="en-US" dirty="0" err="1" smtClean="0"/>
+              <a:t>ms</a:t>
+            </a:r>
+            <a:r>
+              <a:rPr lang="en-US" dirty="0" smtClean="0"/>
+              <a:t>)</a:t>
+            </a:r>
+          </a:p>
+          <a:p>
+            <a:endParaRPr lang="en-US" dirty="0" smtClean="0"/>
+          </a:p>
+          <a:p>
+            <a:endParaRPr lang="en-US" dirty="0"/>
+          </a:p>
+          <a:p>
+            <a:endParaRPr lang="en-US" dirty="0" smtClean="0"/>
+          </a:p>
+          <a:p>
+            <a:endParaRPr lang="en-US" dirty="0" smtClean="0"/>
+          </a:p>
+          <a:p>
+            <a:endParaRPr lang="en-US" dirty="0" smtClean="0"/>
+          </a:p>
+        </p:txBody>
+      </p:sp>
+      <p:grpSp>
+        <p:nvGrpSpPr>
+          <p:cNvPr id="19" name="Group 18"/>
+          <p:cNvGrpSpPr/>
+          <p:nvPr/>
+        </p:nvGrpSpPr>
+        <p:grpSpPr>
+          <a:xfrm>
+            <a:off x="838201" y="2331580"/>
+            <a:ext cx="6140131" cy="1345562"/>
+            <a:chOff x="838201" y="2331580"/>
+            <a:chExt cx="6140131" cy="1345562"/>
+          </a:xfrm>
+        </p:grpSpPr>
+        <p:grpSp>
+          <p:nvGrpSpPr>
+            <p:cNvPr id="11" name="Group 10"/>
+            <p:cNvGrpSpPr/>
+            <p:nvPr/>
+          </p:nvGrpSpPr>
+          <p:grpSpPr>
+            <a:xfrm>
+              <a:off x="5829702" y="2331580"/>
+              <a:ext cx="1148630" cy="1249820"/>
+              <a:chOff x="6728459" y="3101975"/>
+              <a:chExt cx="1638301" cy="1782628"/>
+            </a:xfrm>
+          </p:grpSpPr>
+          <p:pic>
+            <p:nvPicPr>
+              <p:cNvPr id="12" name="Picture 11"/>
+              <p:cNvPicPr>
+                <a:picLocks noChangeAspect="1"/>
+              </p:cNvPicPr>
+              <p:nvPr/>
+            </p:nvPicPr>
+            <p:blipFill>
+              <a:blip r:embed="rId2">
+                <a:extLst>
+                  <a:ext uri="{28A0092B-C50C-407E-A947-70E740481C1C}">
+                    <a14:useLocalDpi xmlns:a14="http://schemas.microsoft.com/office/drawing/2010/main" val="0"/>
+                  </a:ext>
+                </a:extLst>
+              </a:blip>
+              <a:stretch>
+                <a:fillRect/>
+              </a:stretch>
+            </p:blipFill>
+            <p:spPr>
+              <a:xfrm>
+                <a:off x="6728460" y="3101975"/>
+                <a:ext cx="1638300" cy="1638300"/>
+              </a:xfrm>
+              <a:prstGeom prst="rect">
+                <a:avLst/>
+              </a:prstGeom>
+            </p:spPr>
+          </p:pic>
+          <p:sp>
+            <p:nvSpPr>
+              <p:cNvPr id="13" name="TextBox 12"/>
+              <p:cNvSpPr txBox="1"/>
+              <p:nvPr/>
+            </p:nvSpPr>
+            <p:spPr>
+              <a:xfrm>
+                <a:off x="6728459" y="4401721"/>
+                <a:ext cx="1638299" cy="482882"/>
+              </a:xfrm>
+              <a:prstGeom prst="rect">
+                <a:avLst/>
+              </a:prstGeom>
+              <a:noFill/>
+            </p:spPr>
+            <p:txBody>
+              <a:bodyPr wrap="square" rtlCol="0">
+                <a:spAutoFit/>
+              </a:bodyPr>
+              <a:lstStyle/>
+              <a:p>
+                <a:pPr algn="ctr"/>
+                <a:r>
+                  <a:rPr lang="en-US" sz="1600" dirty="0" smtClean="0"/>
+                  <a:t>Laptop</a:t>
+                </a:r>
+                <a:endParaRPr lang="en-US" sz="1600" dirty="0"/>
+              </a:p>
+            </p:txBody>
+          </p:sp>
+        </p:grpSp>
+        <p:grpSp>
+          <p:nvGrpSpPr>
+            <p:cNvPr id="14" name="Group 13"/>
+            <p:cNvGrpSpPr/>
+            <p:nvPr/>
+          </p:nvGrpSpPr>
+          <p:grpSpPr>
+            <a:xfrm>
+              <a:off x="838201" y="2352956"/>
+              <a:ext cx="1676400" cy="1324186"/>
+              <a:chOff x="287852" y="3987800"/>
+              <a:chExt cx="2391063" cy="1888698"/>
+            </a:xfrm>
+          </p:grpSpPr>
+          <p:pic>
+            <p:nvPicPr>
+              <p:cNvPr id="15" name="Content Placeholder 3"/>
+              <p:cNvPicPr>
+                <a:picLocks noChangeAspect="1"/>
+              </p:cNvPicPr>
+              <p:nvPr/>
+            </p:nvPicPr>
+            <p:blipFill>
+              <a:blip r:embed="rId3" cstate="print">
+                <a:extLst>
+                  <a:ext uri="{28A0092B-C50C-407E-A947-70E740481C1C}">
+                    <a14:useLocalDpi xmlns:a14="http://schemas.microsoft.com/office/drawing/2010/main" val="0"/>
+                  </a:ext>
+                </a:extLst>
+              </a:blip>
+              <a:stretch>
+                <a:fillRect/>
+              </a:stretch>
+            </p:blipFill>
+            <p:spPr>
+              <a:xfrm>
+                <a:off x="906781" y="3987800"/>
+                <a:ext cx="1017270" cy="1017270"/>
+              </a:xfrm>
+              <a:prstGeom prst="rect">
+                <a:avLst/>
+              </a:prstGeom>
+            </p:spPr>
+          </p:pic>
+          <p:sp>
+            <p:nvSpPr>
+              <p:cNvPr id="16" name="TextBox 15"/>
+              <p:cNvSpPr txBox="1"/>
+              <p:nvPr/>
+            </p:nvSpPr>
+            <p:spPr>
+              <a:xfrm>
+                <a:off x="287852" y="5045501"/>
+                <a:ext cx="2391063" cy="830997"/>
+              </a:xfrm>
+              <a:prstGeom prst="rect">
+                <a:avLst/>
+              </a:prstGeom>
+              <a:noFill/>
+            </p:spPr>
+            <p:txBody>
+              <a:bodyPr wrap="square" rtlCol="0">
+                <a:spAutoFit/>
+              </a:bodyPr>
+              <a:lstStyle/>
+              <a:p>
+                <a:pPr algn="ctr"/>
+                <a:r>
+                  <a:rPr lang="en-US" sz="1600" dirty="0" smtClean="0"/>
+                  <a:t>Wireless Access Point</a:t>
+                </a:r>
+                <a:endParaRPr lang="en-US" sz="1600" dirty="0"/>
+              </a:p>
+            </p:txBody>
+          </p:sp>
+        </p:grpSp>
+        <p:cxnSp>
+          <p:nvCxnSpPr>
+            <p:cNvPr id="18" name="Straight Arrow Connector 17"/>
+            <p:cNvCxnSpPr/>
+            <p:nvPr/>
+          </p:nvCxnSpPr>
+          <p:spPr>
+            <a:xfrm>
+              <a:off x="2133600" y="2819400"/>
+              <a:ext cx="3581400" cy="0"/>
+            </a:xfrm>
+            <a:prstGeom prst="straightConnector1">
+              <a:avLst/>
+            </a:prstGeom>
+            <a:ln>
+              <a:tailEnd type="arrow"/>
+            </a:ln>
+          </p:spPr>
+          <p:style>
+            <a:lnRef idx="1">
+              <a:schemeClr val="accent1"/>
+            </a:lnRef>
+            <a:fillRef idx="0">
+              <a:schemeClr val="accent1"/>
+            </a:fillRef>
+            <a:effectRef idx="0">
+              <a:schemeClr val="accent1"/>
+            </a:effectRef>
+            <a:fontRef idx="minor">
+              <a:schemeClr val="tx1"/>
+            </a:fontRef>
+          </p:style>
+        </p:cxnSp>
+      </p:grpSp>
+    </p:spTree>
+    <p:extLst>
+      <p:ext uri="{BB962C8B-B14F-4D97-AF65-F5344CB8AC3E}">
+        <p14:creationId xmlns:p14="http://schemas.microsoft.com/office/powerpoint/2010/main" val="1421019887"/>
+      </p:ext>
+    </p:extLst>
+  </p:cSld>
+  <p:clrMapOvr>
+    <a:masterClrMapping/>
+  </p:clrMapOvr>
+  <p:timing>
+    <p:tnLst>
+      <p:par>
+        <p:cTn id="1" dur="indefinite" restart="never" nodeType="tmRoot"/>
+      </p:par>
+    </p:tnLst>
+  </p:timing>
+</p:sld>
+</file>
+
+<file path=ppt/slides/slide11.xml><?xml version="1.0" encoding="utf-8"?>
+<p:sld xmlns:a="http://schemas.openxmlformats.org/drawingml/2006/main" xmlns:r="http://schemas.openxmlformats.org/officeDocument/2006/relationships" xmlns:p="http://schemas.openxmlformats.org/presentationml/2006/main">
+  <p:cSld>
+    <p:spTree>
+      <p:nvGrpSpPr>
+        <p:cNvPr id="1" name=""/>
+        <p:cNvGrpSpPr/>
+        <p:nvPr/>
+      </p:nvGrpSpPr>
+      <p:grpSpPr>
+        <a:xfrm>
+          <a:off x="0" y="0"/>
+          <a:ext cx="0" cy="0"/>
+          <a:chOff x="0" y="0"/>
+          <a:chExt cx="0" cy="0"/>
+        </a:xfrm>
+      </p:grpSpPr>
+      <p:sp>
+        <p:nvSpPr>
+          <p:cNvPr id="2" name="Title 1"/>
+          <p:cNvSpPr>
+            <a:spLocks noGrp="1"/>
+          </p:cNvSpPr>
+          <p:nvPr>
+            <p:ph type="title"/>
+          </p:nvPr>
+        </p:nvSpPr>
+        <p:spPr/>
+        <p:txBody>
+          <a:bodyPr/>
+          <a:lstStyle/>
+          <a:p>
+            <a:r>
+              <a:rPr lang="en-US" dirty="0" smtClean="0"/>
+              <a:t>Analyzing Data</a:t>
+            </a:r>
+            <a:endParaRPr lang="en-US" dirty="0"/>
+          </a:p>
+        </p:txBody>
+      </p:sp>
+      <p:sp>
+        <p:nvSpPr>
+          <p:cNvPr id="3" name="Content Placeholder 2"/>
+          <p:cNvSpPr>
+            <a:spLocks noGrp="1"/>
+          </p:cNvSpPr>
+          <p:nvPr>
+            <p:ph idx="1"/>
+          </p:nvPr>
+        </p:nvSpPr>
+        <p:spPr/>
+        <p:txBody>
+          <a:bodyPr/>
+          <a:lstStyle/>
+          <a:p>
+            <a:r>
+              <a:rPr lang="en-US" dirty="0"/>
+              <a:t>Plot signal strength values in a graph  for scenario </a:t>
+            </a:r>
+            <a:r>
+              <a:rPr lang="en-US" dirty="0" smtClean="0"/>
+              <a:t>1</a:t>
+            </a:r>
+          </a:p>
+          <a:p>
+            <a:endParaRPr lang="en-US" dirty="0"/>
+          </a:p>
+          <a:p>
+            <a:endParaRPr lang="en-US" dirty="0" smtClean="0"/>
+          </a:p>
+          <a:p>
+            <a:endParaRPr lang="en-US" dirty="0"/>
+          </a:p>
+          <a:p>
+            <a:endParaRPr lang="en-US" dirty="0" smtClean="0"/>
+          </a:p>
+          <a:p>
+            <a:endParaRPr lang="en-US" dirty="0"/>
+          </a:p>
+          <a:p>
+            <a:r>
+              <a:rPr lang="en-US" dirty="0" smtClean="0"/>
+              <a:t>Draw sample distribution graphs</a:t>
+            </a:r>
+          </a:p>
+          <a:p>
+            <a:pPr lvl="1"/>
+            <a:r>
+              <a:rPr lang="en-US" dirty="0" smtClean="0"/>
+              <a:t>X axis = Signal Strength in </a:t>
+            </a:r>
+            <a:r>
+              <a:rPr lang="en-US" dirty="0" err="1" smtClean="0"/>
+              <a:t>db</a:t>
+            </a:r>
+            <a:endParaRPr lang="en-US" dirty="0" smtClean="0"/>
+          </a:p>
+          <a:p>
+            <a:pPr lvl="1"/>
+            <a:r>
+              <a:rPr lang="en-US" dirty="0"/>
+              <a:t>Y axis = </a:t>
+            </a:r>
+            <a:r>
+              <a:rPr lang="en-US" dirty="0" smtClean="0"/>
+              <a:t>Density </a:t>
+            </a:r>
+            <a:r>
+              <a:rPr lang="en-US" dirty="0"/>
+              <a:t>of probability (the </a:t>
+            </a:r>
+            <a:r>
+              <a:rPr lang="en-US" dirty="0" smtClean="0"/>
+              <a:t>chance </a:t>
+            </a:r>
+            <a:r>
+              <a:rPr lang="en-US" dirty="0"/>
+              <a:t>of obtaining values near corresponding points on the </a:t>
+            </a:r>
+            <a:r>
+              <a:rPr lang="en-US" dirty="0" smtClean="0"/>
+              <a:t>X-axis)</a:t>
+            </a:r>
+            <a:endParaRPr lang="en-US" dirty="0"/>
+          </a:p>
+          <a:p>
+            <a:endParaRPr lang="en-US" dirty="0"/>
+          </a:p>
+        </p:txBody>
+      </p:sp>
+      <p:pic>
+        <p:nvPicPr>
+          <p:cNvPr id="4" name="Picture 3"/>
+          <p:cNvPicPr/>
+          <p:nvPr/>
+        </p:nvPicPr>
+        <p:blipFill>
+          <a:blip r:embed="rId2">
+            <a:extLst>
+              <a:ext uri="{28A0092B-C50C-407E-A947-70E740481C1C}">
+                <a14:useLocalDpi xmlns:a14="http://schemas.microsoft.com/office/drawing/2010/main" val="0"/>
+              </a:ext>
+            </a:extLst>
+          </a:blip>
+          <a:stretch>
+            <a:fillRect/>
+          </a:stretch>
+        </p:blipFill>
+        <p:spPr>
+          <a:xfrm>
+            <a:off x="304799" y="2057400"/>
+            <a:ext cx="7928651" cy="2001187"/>
+          </a:xfrm>
+          <a:prstGeom prst="rect">
+            <a:avLst/>
+          </a:prstGeom>
+        </p:spPr>
+      </p:pic>
+    </p:spTree>
+    <p:extLst>
+      <p:ext uri="{BB962C8B-B14F-4D97-AF65-F5344CB8AC3E}">
+        <p14:creationId xmlns:p14="http://schemas.microsoft.com/office/powerpoint/2010/main" val="1657272489"/>
+      </p:ext>
+    </p:extLst>
+  </p:cSld>
+  <p:clrMapOvr>
+    <a:masterClrMapping/>
+  </p:clrMapOvr>
+</p:sld>
+</file>
+
+<file path=ppt/slides/slide12.xml><?xml version="1.0" encoding="utf-8"?>
+<p:sld xmlns:a="http://schemas.openxmlformats.org/drawingml/2006/main" xmlns:r="http://schemas.openxmlformats.org/officeDocument/2006/relationships" xmlns:p="http://schemas.openxmlformats.org/presentationml/2006/main">
+  <p:cSld>
+    <p:spTree>
+      <p:nvGrpSpPr>
+        <p:cNvPr id="1" name=""/>
+        <p:cNvGrpSpPr/>
+        <p:nvPr/>
+      </p:nvGrpSpPr>
+      <p:grpSpPr>
+        <a:xfrm>
+          <a:off x="0" y="0"/>
+          <a:ext cx="0" cy="0"/>
+          <a:chOff x="0" y="0"/>
+          <a:chExt cx="0" cy="0"/>
+        </a:xfrm>
+      </p:grpSpPr>
+      <p:sp>
+        <p:nvSpPr>
+          <p:cNvPr id="4" name="Title 3"/>
+          <p:cNvSpPr>
+            <a:spLocks noGrp="1"/>
+          </p:cNvSpPr>
+          <p:nvPr>
+            <p:ph type="ctrTitle"/>
+          </p:nvPr>
+        </p:nvSpPr>
+        <p:spPr/>
+        <p:txBody>
+          <a:bodyPr/>
+          <a:lstStyle/>
+          <a:p>
+            <a:r>
+              <a:rPr lang="en-US" sz="9600" dirty="0" smtClean="0"/>
+              <a:t>Questions</a:t>
+            </a:r>
+            <a:r>
+              <a:rPr lang="en-US" dirty="0" smtClean="0"/>
+              <a:t>?</a:t>
+            </a:r>
+            <a:endParaRPr lang="en-US" dirty="0"/>
+          </a:p>
+        </p:txBody>
+      </p:sp>
+      <p:sp>
+        <p:nvSpPr>
+          <p:cNvPr id="5" name="Subtitle 4"/>
+          <p:cNvSpPr>
+            <a:spLocks noGrp="1"/>
+          </p:cNvSpPr>
+          <p:nvPr>
+            <p:ph type="subTitle" idx="1"/>
+          </p:nvPr>
+        </p:nvSpPr>
+        <p:spPr/>
+        <p:txBody>
+          <a:bodyPr/>
+          <a:lstStyle/>
+          <a:p>
+            <a:endParaRPr lang="en-US"/>
+          </a:p>
+        </p:txBody>
+      </p:sp>
+    </p:spTree>
+    <p:extLst>
+      <p:ext uri="{BB962C8B-B14F-4D97-AF65-F5344CB8AC3E}">
+        <p14:creationId xmlns:p14="http://schemas.microsoft.com/office/powerpoint/2010/main" val="4261208919"/>
+      </p:ext>
+    </p:extLst>
+  </p:cSld>
+  <p:clrMapOvr>
+    <a:masterClrMapping/>
+  </p:clrMapOvr>
+  <mc:AlternateContent xmlns:mc="http://schemas.openxmlformats.org/markup-compatibility/2006" xmlns:p14="http://schemas.microsoft.com/office/powerpoint/2010/main">
+    <mc:Choice Requires="p14">
+      <p:transition spd="med" p14:dur="700">
+        <p:fade/>
+      </p:transition>
+    </mc:Choice>
+    <mc:Fallback xmlns="">
+      <p:transition spd="med">
+        <p:fade/>
+      </p:transition>
+    </mc:Fallback>
+  </mc:AlternateContent>
+  <p:timing>
+    <p:tnLst>
+      <p:par>
+        <p:cTn id="1" dur="indefinite" restart="never" nodeType="tmRoot"/>
+      </p:par>
+    </p:tnLst>
+  </p:timing>
+</p:sld>
+</file>
+
+<file path=ppt/slides/slide13.xml><?xml version="1.0" encoding="utf-8"?>
+<p:sld xmlns:a="http://schemas.openxmlformats.org/drawingml/2006/main" xmlns:r="http://schemas.openxmlformats.org/officeDocument/2006/relationships" xmlns:p="http://schemas.openxmlformats.org/presentationml/2006/main">
+  <p:cSld>
+    <p:spTree>
+      <p:nvGrpSpPr>
+        <p:cNvPr id="1" name=""/>
+        <p:cNvGrpSpPr/>
+        <p:nvPr/>
+      </p:nvGrpSpPr>
+      <p:grpSpPr>
+        <a:xfrm>
+          <a:off x="0" y="0"/>
+          <a:ext cx="0" cy="0"/>
+          <a:chOff x="0" y="0"/>
+          <a:chExt cx="0" cy="0"/>
+        </a:xfrm>
+      </p:grpSpPr>
+      <p:sp>
+        <p:nvSpPr>
           <p:cNvPr id="4" name="Title 3"/>
           <p:cNvSpPr>
             <a:spLocks noGrp="1"/>
@@ -3319,13 +3935,13 @@
   <p:clrMapOvr>
     <a:masterClrMapping/>
   </p:clrMapOvr>
-  <mc:AlternateContent xmlns:mc="http://schemas.openxmlformats.org/markup-compatibility/2006">
-    <mc:Choice xmlns:p14="http://schemas.microsoft.com/office/powerpoint/2010/main" Requires="p14">
+  <mc:AlternateContent xmlns:mc="http://schemas.openxmlformats.org/markup-compatibility/2006" xmlns:p14="http://schemas.microsoft.com/office/powerpoint/2010/main">
+    <mc:Choice Requires="p14">
       <p:transition spd="med" p14:dur="700">
         <p:fade/>
       </p:transition>
     </mc:Choice>
-    <mc:Fallback>
+    <mc:Fallback xmlns="">
       <p:transition spd="med">
         <p:fade/>
       </p:transition>
@@ -3512,13 +4128,13 @@
   <p:clrMapOvr>
     <a:masterClrMapping/>
   </p:clrMapOvr>
-  <mc:AlternateContent xmlns:mc="http://schemas.openxmlformats.org/markup-compatibility/2006">
-    <mc:Choice xmlns:p14="http://schemas.microsoft.com/office/powerpoint/2010/main" Requires="p14">
+  <mc:AlternateContent xmlns:mc="http://schemas.openxmlformats.org/markup-compatibility/2006" xmlns:p14="http://schemas.microsoft.com/office/powerpoint/2010/main">
+    <mc:Choice Requires="p14">
       <p:transition spd="med" p14:dur="700">
         <p:fade/>
       </p:transition>
     </mc:Choice>
-    <mc:Fallback>
+    <mc:Fallback xmlns="">
       <p:transition spd="med">
         <p:fade/>
       </p:transition>
@@ -3568,7 +4184,7 @@
           <a:p>
             <a:r>
               <a:rPr lang="en-US" dirty="0" smtClean="0"/>
-              <a:t>Design</a:t>
+              <a:t>Answering Research Question</a:t>
             </a:r>
             <a:endParaRPr lang="en-US" dirty="0"/>
           </a:p>
@@ -3584,6 +4200,177 @@
             <p:ph idx="1"/>
           </p:nvPr>
         </p:nvSpPr>
+        <p:spPr>
+          <a:xfrm>
+            <a:off x="457200" y="1371600"/>
+            <a:ext cx="7620000" cy="5181600"/>
+          </a:xfrm>
+        </p:spPr>
+        <p:txBody>
+          <a:bodyPr>
+            <a:normAutofit lnSpcReduction="10000"/>
+          </a:bodyPr>
+          <a:lstStyle/>
+          <a:p>
+            <a:r>
+              <a:rPr lang="en-US" dirty="0" smtClean="0"/>
+              <a:t>Answer first research question we use a statistical approach</a:t>
+            </a:r>
+          </a:p>
+          <a:p>
+            <a:r>
+              <a:rPr lang="en-US" dirty="0" smtClean="0"/>
+              <a:t>statistical </a:t>
+            </a:r>
+            <a:r>
+              <a:rPr lang="en-US" dirty="0"/>
+              <a:t>hypothesis </a:t>
+            </a:r>
+            <a:r>
+              <a:rPr lang="en-US" dirty="0" smtClean="0"/>
+              <a:t>testing</a:t>
+            </a:r>
+          </a:p>
+          <a:p>
+            <a:r>
+              <a:rPr lang="en-US" dirty="0"/>
+              <a:t>is an assumption about a population parameter. This assumption may or may not be true. Hypothesis testing refers to the formal procedures used by statisticians to accept or reject statistical hypotheses</a:t>
+            </a:r>
+            <a:r>
+              <a:rPr lang="en-US" dirty="0" smtClean="0"/>
+              <a:t>.</a:t>
+            </a:r>
+          </a:p>
+          <a:p>
+            <a:r>
+              <a:rPr lang="en-US" dirty="0" smtClean="0"/>
+              <a:t>Building the hypothesis </a:t>
+            </a:r>
+          </a:p>
+          <a:p>
+            <a:pPr lvl="1"/>
+            <a:r>
+              <a:rPr lang="en-US" dirty="0"/>
+              <a:t>Null </a:t>
+            </a:r>
+            <a:r>
+              <a:rPr lang="en-US" dirty="0" smtClean="0"/>
+              <a:t>hypothesis – H</a:t>
+            </a:r>
+            <a:r>
+              <a:rPr lang="en-US" baseline="-25000" dirty="0" smtClean="0"/>
+              <a:t>0</a:t>
+            </a:r>
+            <a:r>
+              <a:rPr lang="en-US" dirty="0" smtClean="0"/>
+              <a:t> </a:t>
+            </a:r>
+            <a:r>
+              <a:rPr lang="en-US" dirty="0"/>
+              <a:t>= there </a:t>
+            </a:r>
+            <a:r>
+              <a:rPr lang="en-US" dirty="0" smtClean="0"/>
+              <a:t>is no change to amount </a:t>
+            </a:r>
+            <a:r>
+              <a:rPr lang="en-US" dirty="0"/>
+              <a:t>of wireless signal strength </a:t>
+            </a:r>
+            <a:r>
+              <a:rPr lang="en-US" dirty="0" smtClean="0"/>
+              <a:t>when </a:t>
+            </a:r>
+            <a:r>
+              <a:rPr lang="en-US" dirty="0"/>
+              <a:t>there is a </a:t>
+            </a:r>
+            <a:r>
+              <a:rPr lang="en-US" dirty="0" smtClean="0"/>
+              <a:t>human and no human </a:t>
+            </a:r>
+            <a:r>
+              <a:rPr lang="en-US" dirty="0"/>
+              <a:t>inside the line of sight of the wireless access point and data gathering </a:t>
+            </a:r>
+            <a:r>
+              <a:rPr lang="en-US" dirty="0" smtClean="0"/>
+              <a:t>computer</a:t>
+            </a:r>
+          </a:p>
+          <a:p>
+            <a:pPr lvl="1"/>
+            <a:r>
+              <a:rPr lang="en-US" dirty="0"/>
+              <a:t>Alternative </a:t>
+            </a:r>
+            <a:r>
+              <a:rPr lang="en-US" dirty="0" smtClean="0"/>
+              <a:t>hypothesis –  H</a:t>
+            </a:r>
+            <a:r>
+              <a:rPr lang="en-US" baseline="-25000" dirty="0" smtClean="0"/>
+              <a:t>1</a:t>
+            </a:r>
+            <a:r>
+              <a:rPr lang="en-US" dirty="0" smtClean="0"/>
+              <a:t> </a:t>
+            </a:r>
+            <a:r>
+              <a:rPr lang="en-US" dirty="0"/>
+              <a:t>=  there </a:t>
+            </a:r>
+            <a:r>
+              <a:rPr lang="en-US" dirty="0" smtClean="0"/>
+              <a:t>is a </a:t>
+            </a:r>
+            <a:r>
+              <a:rPr lang="en-US" dirty="0"/>
+              <a:t>significant amount of wireless signal strength drop when there is a human inside the line of sight of the wireless access point and data gathering computer</a:t>
+            </a:r>
+          </a:p>
+        </p:txBody>
+      </p:sp>
+    </p:spTree>
+    <p:extLst>
+      <p:ext uri="{BB962C8B-B14F-4D97-AF65-F5344CB8AC3E}">
+        <p14:creationId xmlns:p14="http://schemas.microsoft.com/office/powerpoint/2010/main" val="2061762736"/>
+      </p:ext>
+    </p:extLst>
+  </p:cSld>
+  <p:clrMapOvr>
+    <a:masterClrMapping/>
+  </p:clrMapOvr>
+</p:sld>
+</file>
+
+<file path=ppt/slides/slide4.xml><?xml version="1.0" encoding="utf-8"?>
+<p:sld xmlns:a="http://schemas.openxmlformats.org/drawingml/2006/main" xmlns:r="http://schemas.openxmlformats.org/officeDocument/2006/relationships" xmlns:p="http://schemas.openxmlformats.org/presentationml/2006/main">
+  <p:cSld>
+    <p:spTree>
+      <p:nvGrpSpPr>
+        <p:cNvPr id="1" name=""/>
+        <p:cNvGrpSpPr/>
+        <p:nvPr/>
+      </p:nvGrpSpPr>
+      <p:grpSpPr>
+        <a:xfrm>
+          <a:off x="0" y="0"/>
+          <a:ext cx="0" cy="0"/>
+          <a:chOff x="0" y="0"/>
+          <a:chExt cx="0" cy="0"/>
+        </a:xfrm>
+      </p:grpSpPr>
+      <p:sp>
+        <p:nvSpPr>
+          <p:cNvPr id="2" name="Title 1"/>
+          <p:cNvSpPr>
+            <a:spLocks noGrp="1"/>
+          </p:cNvSpPr>
+          <p:nvPr>
+            <p:ph type="title"/>
+          </p:nvPr>
+        </p:nvSpPr>
         <p:spPr/>
         <p:txBody>
           <a:bodyPr/>
@@ -3591,7 +4378,38 @@
           <a:p>
             <a:r>
               <a:rPr lang="en-US" dirty="0" smtClean="0"/>
-              <a:t>Creating  initial scenarios to gather data</a:t>
+              <a:t>Design</a:t>
+            </a:r>
+            <a:endParaRPr lang="en-US" dirty="0"/>
+          </a:p>
+        </p:txBody>
+      </p:sp>
+      <p:sp>
+        <p:nvSpPr>
+          <p:cNvPr id="3" name="Content Placeholder 2"/>
+          <p:cNvSpPr>
+            <a:spLocks noGrp="1"/>
+          </p:cNvSpPr>
+          <p:nvPr>
+            <p:ph idx="1"/>
+          </p:nvPr>
+        </p:nvSpPr>
+        <p:spPr/>
+        <p:txBody>
+          <a:bodyPr/>
+          <a:lstStyle/>
+          <a:p>
+            <a:r>
+              <a:rPr lang="en-US" dirty="0" smtClean="0"/>
+              <a:t>Creating  initial </a:t>
+            </a:r>
+            <a:r>
+              <a:rPr lang="en-US" dirty="0" smtClean="0"/>
+              <a:t>scenario  sets </a:t>
+            </a:r>
+            <a:r>
+              <a:rPr lang="en-US" dirty="0" smtClean="0"/>
+              <a:t>to gather data</a:t>
             </a:r>
           </a:p>
           <a:p>
@@ -3717,7 +4535,7 @@
 </p:sld>
 </file>
 
-<file path=ppt/slides/slide4.xml><?xml version="1.0" encoding="utf-8"?>
+<file path=ppt/slides/slide5.xml><?xml version="1.0" encoding="utf-8"?>
 <p:sld xmlns:a="http://schemas.openxmlformats.org/drawingml/2006/main" xmlns:r="http://schemas.openxmlformats.org/officeDocument/2006/relationships" xmlns:p="http://schemas.openxmlformats.org/presentationml/2006/main">
   <p:cSld>
     <p:spTree>
@@ -3751,7 +4569,15 @@
           <a:p>
             <a:r>
               <a:rPr lang="en-US" dirty="0" smtClean="0"/>
-              <a:t>Scenarios – Part 1</a:t>
+              <a:t>Scenarios – </a:t>
+            </a:r>
+            <a:r>
+              <a:rPr lang="en-US" dirty="0" smtClean="0"/>
+              <a:t>Set </a:t>
+            </a:r>
+            <a:r>
+              <a:rPr lang="en-US" dirty="0" smtClean="0"/>
+              <a:t>1</a:t>
             </a:r>
             <a:endParaRPr lang="en-US" dirty="0"/>
           </a:p>
@@ -4845,7 +5671,7 @@
 </p:sld>
 </file>
 
-<file path=ppt/slides/slide5.xml><?xml version="1.0" encoding="utf-8"?>
+<file path=ppt/slides/slide6.xml><?xml version="1.0" encoding="utf-8"?>
 <p:sld xmlns:a="http://schemas.openxmlformats.org/drawingml/2006/main" xmlns:r="http://schemas.openxmlformats.org/officeDocument/2006/relationships" xmlns:p="http://schemas.openxmlformats.org/presentationml/2006/main">
   <p:cSld>
     <p:spTree>
@@ -4879,7 +5705,11 @@
           <a:p>
             <a:r>
               <a:rPr lang="en-US" dirty="0" smtClean="0"/>
-              <a:t>Scenarios – Part 1 </a:t>
+              <a:t>Scenarios – </a:t>
+            </a:r>
+            <a:r>
+              <a:rPr lang="en-US" dirty="0" smtClean="0"/>
+              <a:t>Set 1 </a:t>
             </a:r>
             <a:r>
               <a:rPr lang="en-US" dirty="0" err="1" smtClean="0"/>
@@ -5371,7 +6201,7 @@
 </p:sld>
 </file>
 
-<file path=ppt/slides/slide6.xml><?xml version="1.0" encoding="utf-8"?>
+<file path=ppt/slides/slide7.xml><?xml version="1.0" encoding="utf-8"?>
 <p:sld xmlns:a="http://schemas.openxmlformats.org/drawingml/2006/main" xmlns:r="http://schemas.openxmlformats.org/officeDocument/2006/relationships" xmlns:p="http://schemas.openxmlformats.org/presentationml/2006/main">
   <p:cSld>
     <p:spTree>
@@ -5405,7 +6235,19 @@
           <a:p>
             <a:r>
               <a:rPr lang="en-US" dirty="0" smtClean="0"/>
-              <a:t>Scenarios – Part 2</a:t>
+              <a:t>Scenarios – </a:t>
+            </a:r>
+            <a:r>
+              <a:rPr lang="en-US" dirty="0" smtClean="0"/>
+              <a:t>Set</a:t>
+            </a:r>
+            <a:r>
+              <a:rPr lang="en-US" dirty="0" smtClean="0"/>
+              <a:t> </a:t>
+            </a:r>
+            <a:r>
+              <a:rPr lang="en-US" dirty="0" smtClean="0"/>
+              <a:t>2</a:t>
             </a:r>
             <a:endParaRPr lang="en-US" dirty="0"/>
           </a:p>
@@ -6209,7 +7051,7 @@
 </p:sld>
 </file>
 
-<file path=ppt/slides/slide7.xml><?xml version="1.0" encoding="utf-8"?>
+<file path=ppt/slides/slide8.xml><?xml version="1.0" encoding="utf-8"?>
 <p:sld xmlns:a="http://schemas.openxmlformats.org/drawingml/2006/main" xmlns:r="http://schemas.openxmlformats.org/officeDocument/2006/relationships" xmlns:p="http://schemas.openxmlformats.org/presentationml/2006/main">
   <p:cSld>
     <p:spTree>
@@ -6243,7 +7085,15 @@
           <a:p>
             <a:r>
               <a:rPr lang="en-US" dirty="0" smtClean="0"/>
-              <a:t>Scenarios – Part 3</a:t>
+              <a:t>Scenarios – </a:t>
+            </a:r>
+            <a:r>
+              <a:rPr lang="en-US" dirty="0" smtClean="0"/>
+              <a:t>Set </a:t>
+            </a:r>
+            <a:r>
+              <a:rPr lang="en-US" dirty="0" smtClean="0"/>
+              <a:t>3</a:t>
             </a:r>
             <a:endParaRPr lang="en-US" dirty="0"/>
           </a:p>
@@ -7047,129 +7897,6 @@
 </p:sld>
 </file>
 
-<file path=ppt/slides/slide8.xml><?xml version="1.0" encoding="utf-8"?>
-<p:sld xmlns:a="http://schemas.openxmlformats.org/drawingml/2006/main" xmlns:r="http://schemas.openxmlformats.org/officeDocument/2006/relationships" xmlns:p="http://schemas.openxmlformats.org/presentationml/2006/main">
-  <p:cSld>
-    <p:spTree>
-      <p:nvGrpSpPr>
-        <p:cNvPr id="1" name=""/>
-        <p:cNvGrpSpPr/>
-        <p:nvPr/>
-      </p:nvGrpSpPr>
-      <p:grpSpPr>
-        <a:xfrm>
-          <a:off x="0" y="0"/>
-          <a:ext cx="0" cy="0"/>
-          <a:chOff x="0" y="0"/>
-          <a:chExt cx="0" cy="0"/>
-        </a:xfrm>
-      </p:grpSpPr>
-      <p:sp>
-        <p:nvSpPr>
-          <p:cNvPr id="2" name="Title 1"/>
-          <p:cNvSpPr>
-            <a:spLocks noGrp="1"/>
-          </p:cNvSpPr>
-          <p:nvPr>
-            <p:ph type="title"/>
-          </p:nvPr>
-        </p:nvSpPr>
-        <p:spPr/>
-        <p:txBody>
-          <a:bodyPr/>
-          <a:lstStyle/>
-          <a:p>
-            <a:r>
-              <a:rPr lang="en-US" dirty="0" smtClean="0"/>
-              <a:t>Gathering Data</a:t>
-            </a:r>
-            <a:endParaRPr lang="en-US" dirty="0"/>
-          </a:p>
-        </p:txBody>
-      </p:sp>
-      <p:sp>
-        <p:nvSpPr>
-          <p:cNvPr id="3" name="Content Placeholder 2"/>
-          <p:cNvSpPr>
-            <a:spLocks noGrp="1"/>
-          </p:cNvSpPr>
-          <p:nvPr>
-            <p:ph idx="1"/>
-          </p:nvPr>
-        </p:nvSpPr>
-        <p:spPr/>
-        <p:txBody>
-          <a:bodyPr/>
-          <a:lstStyle/>
-          <a:p>
-            <a:r>
-              <a:rPr lang="en-US" dirty="0" smtClean="0"/>
-              <a:t>Received Signal Strength is gathered from scenarios mentioned earlier. </a:t>
-            </a:r>
-          </a:p>
-          <a:p>
-            <a:r>
-              <a:rPr lang="en-US" dirty="0" smtClean="0"/>
-              <a:t>Plot signal strength values in a graph  for scenario 1</a:t>
-            </a:r>
-          </a:p>
-          <a:p>
-            <a:r>
-              <a:rPr lang="en-US" dirty="0" smtClean="0"/>
-              <a:t> </a:t>
-            </a:r>
-            <a:endParaRPr lang="en-US" dirty="0"/>
-          </a:p>
-        </p:txBody>
-      </p:sp>
-      <p:pic>
-        <p:nvPicPr>
-          <p:cNvPr id="4" name="Picture 3"/>
-          <p:cNvPicPr/>
-          <p:nvPr/>
-        </p:nvPicPr>
-        <p:blipFill>
-          <a:blip r:embed="rId2">
-            <a:extLst>
-              <a:ext uri="{28A0092B-C50C-407E-A947-70E740481C1C}">
-                <a14:useLocalDpi xmlns:a14="http://schemas.microsoft.com/office/drawing/2010/main" val="0"/>
-              </a:ext>
-            </a:extLst>
-          </a:blip>
-          <a:stretch>
-            <a:fillRect/>
-          </a:stretch>
-        </p:blipFill>
-        <p:spPr>
-          <a:xfrm>
-            <a:off x="304800" y="2895600"/>
-            <a:ext cx="7928651" cy="2001187"/>
-          </a:xfrm>
-          <a:prstGeom prst="rect">
-            <a:avLst/>
-          </a:prstGeom>
-        </p:spPr>
-      </p:pic>
-    </p:spTree>
-    <p:extLst>
-      <p:ext uri="{BB962C8B-B14F-4D97-AF65-F5344CB8AC3E}">
-        <p14:creationId xmlns:p14="http://schemas.microsoft.com/office/powerpoint/2010/main" val="1421019887"/>
-      </p:ext>
-    </p:extLst>
-  </p:cSld>
-  <p:clrMapOvr>
-    <a:masterClrMapping/>
-  </p:clrMapOvr>
-  <p:timing>
-    <p:tnLst>
-      <p:par>
-        <p:cTn id="1" dur="indefinite" restart="never" nodeType="tmRoot"/>
-      </p:par>
-    </p:tnLst>
-  </p:timing>
-</p:sld>
-</file>
-
 <file path=ppt/slides/slide9.xml><?xml version="1.0" encoding="utf-8"?>
 <p:sld xmlns:a="http://schemas.openxmlformats.org/drawingml/2006/main" xmlns:r="http://schemas.openxmlformats.org/officeDocument/2006/relationships" xmlns:p="http://schemas.openxmlformats.org/presentationml/2006/main">
   <p:cSld>
@@ -7189,12 +7916,12 @@
       </p:grpSpPr>
       <p:sp>
         <p:nvSpPr>
-          <p:cNvPr id="4" name="Title 3"/>
+          <p:cNvPr id="2" name="Title 1"/>
           <p:cNvSpPr>
             <a:spLocks noGrp="1"/>
           </p:cNvSpPr>
           <p:nvPr>
-            <p:ph type="ctrTitle"/>
+            <p:ph type="title"/>
           </p:nvPr>
         </p:nvSpPr>
         <p:spPr/>
@@ -7203,12 +7930,16 @@
           <a:lstStyle/>
           <a:p>
             <a:r>
-              <a:rPr lang="en-US" sz="9600" dirty="0" smtClean="0"/>
-              <a:t>Questions</a:t>
-            </a:r>
-            <a:r>
               <a:rPr lang="en-US" dirty="0" smtClean="0"/>
-              <a:t>?</a:t>
+              <a:t>Scenarios – </a:t>
+            </a:r>
+            <a:r>
+              <a:rPr lang="en-US" dirty="0" smtClean="0"/>
+              <a:t>Set</a:t>
+            </a:r>
+            <a:r>
+              <a:rPr lang="en-US" dirty="0" smtClean="0"/>
+              <a:t> 4</a:t>
             </a:r>
             <a:endParaRPr lang="en-US" dirty="0"/>
           </a:p>
@@ -7216,45 +7947,909 @@
       </p:sp>
       <p:sp>
         <p:nvSpPr>
-          <p:cNvPr id="5" name="Subtitle 4"/>
+          <p:cNvPr id="3" name="Content Placeholder 2"/>
           <p:cNvSpPr>
             <a:spLocks noGrp="1"/>
           </p:cNvSpPr>
           <p:nvPr>
-            <p:ph type="subTitle" idx="1"/>
+            <p:ph idx="1"/>
           </p:nvPr>
         </p:nvSpPr>
-        <p:spPr/>
+        <p:spPr>
+          <a:xfrm>
+            <a:off x="457200" y="1295400"/>
+            <a:ext cx="7620000" cy="5105400"/>
+          </a:xfrm>
+        </p:spPr>
         <p:txBody>
           <a:bodyPr/>
           <a:lstStyle/>
           <a:p>
+            <a:r>
+              <a:rPr lang="en-US" dirty="0" smtClean="0"/>
+              <a:t>From above scenarios we randomly select scenario 12 and place a human between Wireless access point </a:t>
+            </a:r>
+            <a:r>
+              <a:rPr lang="en-US" dirty="0"/>
+              <a:t>and Data gathering computer</a:t>
+            </a:r>
+            <a:endParaRPr lang="en-US" dirty="0" smtClean="0"/>
+          </a:p>
+          <a:p>
+            <a:pPr lvl="1"/>
+            <a:r>
+              <a:rPr lang="en-US" dirty="0" smtClean="0"/>
+              <a:t>Wireless access point 	Data gathering </a:t>
+            </a:r>
+            <a:r>
+              <a:rPr lang="en-US" dirty="0" smtClean="0"/>
+              <a:t>computer</a:t>
+            </a:r>
+          </a:p>
+          <a:p>
+            <a:pPr lvl="1"/>
+            <a:r>
+              <a:rPr lang="en-US" dirty="0" smtClean="0"/>
+              <a:t>Human</a:t>
+            </a:r>
+            <a:endParaRPr lang="en-US" dirty="0" smtClean="0"/>
+          </a:p>
+          <a:p>
+            <a:r>
+              <a:rPr lang="en-US" dirty="0"/>
+              <a:t>Here </a:t>
+            </a:r>
+            <a:r>
+              <a:rPr lang="en-US" dirty="0" smtClean="0"/>
+              <a:t>position of Wireless </a:t>
+            </a:r>
+            <a:r>
+              <a:rPr lang="en-US" dirty="0"/>
+              <a:t>access point </a:t>
+            </a:r>
+            <a:r>
+              <a:rPr lang="en-US" dirty="0" smtClean="0"/>
+              <a:t>and </a:t>
+            </a:r>
+            <a:r>
+              <a:rPr lang="en-US" dirty="0"/>
+              <a:t>Data gathering </a:t>
+            </a:r>
+            <a:r>
+              <a:rPr lang="en-US" dirty="0" smtClean="0"/>
+              <a:t>computer is constant and human position is the variable</a:t>
+            </a:r>
+            <a:endParaRPr lang="en-US" dirty="0"/>
+          </a:p>
+        </p:txBody>
+      </p:sp>
+      <p:sp>
+        <p:nvSpPr>
+          <p:cNvPr id="25" name="Rectangle 24"/>
+          <p:cNvSpPr/>
+          <p:nvPr/>
+        </p:nvSpPr>
+        <p:spPr>
+          <a:xfrm>
+            <a:off x="857250" y="2457450"/>
+            <a:ext cx="209550" cy="209550"/>
+          </a:xfrm>
+          <a:prstGeom prst="rect">
+            <a:avLst/>
+          </a:prstGeom>
+        </p:spPr>
+        <p:style>
+          <a:lnRef idx="2">
+            <a:schemeClr val="accent1">
+              <a:shade val="50000"/>
+            </a:schemeClr>
+          </a:lnRef>
+          <a:fillRef idx="1">
+            <a:schemeClr val="accent1"/>
+          </a:fillRef>
+          <a:effectRef idx="0">
+            <a:schemeClr val="accent1"/>
+          </a:effectRef>
+          <a:fontRef idx="minor">
+            <a:schemeClr val="lt1"/>
+          </a:fontRef>
+        </p:style>
+        <p:txBody>
+          <a:bodyPr rot="0" spcFirstLastPara="0" vert="horz" wrap="square" lIns="91440" tIns="45720" rIns="91440" bIns="45720" numCol="1" spcCol="0" rtlCol="0" fromWordArt="0" anchor="ctr" anchorCtr="0" forceAA="0" compatLnSpc="1">
+            <a:prstTxWarp prst="textNoShape">
+              <a:avLst/>
+            </a:prstTxWarp>
+            <a:noAutofit/>
+          </a:bodyPr>
+          <a:lstStyle/>
+          <a:p>
             <a:endParaRPr lang="en-US"/>
           </a:p>
         </p:txBody>
       </p:sp>
+      <p:sp>
+        <p:nvSpPr>
+          <p:cNvPr id="26" name="Oval 25"/>
+          <p:cNvSpPr/>
+          <p:nvPr/>
+        </p:nvSpPr>
+        <p:spPr>
+          <a:xfrm>
+            <a:off x="3962400" y="2457450"/>
+            <a:ext cx="133350" cy="133350"/>
+          </a:xfrm>
+          <a:prstGeom prst="ellipse">
+            <a:avLst/>
+          </a:prstGeom>
+        </p:spPr>
+        <p:style>
+          <a:lnRef idx="2">
+            <a:schemeClr val="accent1">
+              <a:shade val="50000"/>
+            </a:schemeClr>
+          </a:lnRef>
+          <a:fillRef idx="1">
+            <a:schemeClr val="accent1"/>
+          </a:fillRef>
+          <a:effectRef idx="0">
+            <a:schemeClr val="accent1"/>
+          </a:effectRef>
+          <a:fontRef idx="minor">
+            <a:schemeClr val="lt1"/>
+          </a:fontRef>
+        </p:style>
+        <p:txBody>
+          <a:bodyPr rot="0" spcFirstLastPara="0" vert="horz" wrap="square" lIns="91440" tIns="45720" rIns="91440" bIns="45720" numCol="1" spcCol="0" rtlCol="0" fromWordArt="0" anchor="ctr" anchorCtr="0" forceAA="0" compatLnSpc="1">
+            <a:prstTxWarp prst="textNoShape">
+              <a:avLst/>
+            </a:prstTxWarp>
+            <a:noAutofit/>
+          </a:bodyPr>
+          <a:lstStyle/>
+          <a:p>
+            <a:endParaRPr lang="en-US"/>
+          </a:p>
+        </p:txBody>
+      </p:sp>
+      <p:sp>
+        <p:nvSpPr>
+          <p:cNvPr id="37" name="Isosceles Triangle 36"/>
+          <p:cNvSpPr/>
+          <p:nvPr/>
+        </p:nvSpPr>
+        <p:spPr>
+          <a:xfrm>
+            <a:off x="838200" y="2774950"/>
+            <a:ext cx="228600" cy="196850"/>
+          </a:xfrm>
+          <a:prstGeom prst="triangle">
+            <a:avLst/>
+          </a:prstGeom>
+        </p:spPr>
+        <p:style>
+          <a:lnRef idx="2">
+            <a:schemeClr val="accent1">
+              <a:shade val="50000"/>
+            </a:schemeClr>
+          </a:lnRef>
+          <a:fillRef idx="1">
+            <a:schemeClr val="accent1"/>
+          </a:fillRef>
+          <a:effectRef idx="0">
+            <a:schemeClr val="accent1"/>
+          </a:effectRef>
+          <a:fontRef idx="minor">
+            <a:schemeClr val="lt1"/>
+          </a:fontRef>
+        </p:style>
+        <p:txBody>
+          <a:bodyPr rot="0" spcFirstLastPara="0" vert="horz" wrap="square" lIns="91440" tIns="45720" rIns="91440" bIns="45720" numCol="1" spcCol="0" rtlCol="0" fromWordArt="0" anchor="ctr" anchorCtr="0" forceAA="0" compatLnSpc="1">
+            <a:prstTxWarp prst="textNoShape">
+              <a:avLst/>
+            </a:prstTxWarp>
+            <a:noAutofit/>
+          </a:bodyPr>
+          <a:lstStyle/>
+          <a:p>
+            <a:endParaRPr lang="en-US"/>
+          </a:p>
+        </p:txBody>
+      </p:sp>
+      <p:grpSp>
+        <p:nvGrpSpPr>
+          <p:cNvPr id="6" name="Group 5"/>
+          <p:cNvGrpSpPr/>
+          <p:nvPr/>
+        </p:nvGrpSpPr>
+        <p:grpSpPr>
+          <a:xfrm>
+            <a:off x="991645" y="3988558"/>
+            <a:ext cx="6054349" cy="2173311"/>
+            <a:chOff x="962025" y="3389289"/>
+            <a:chExt cx="6054349" cy="2173311"/>
+          </a:xfrm>
+        </p:grpSpPr>
+        <p:sp>
+          <p:nvSpPr>
+            <p:cNvPr id="4" name="TextBox 3"/>
+            <p:cNvSpPr txBox="1"/>
+            <p:nvPr/>
+          </p:nvSpPr>
+          <p:spPr>
+            <a:xfrm>
+              <a:off x="1103442" y="5193268"/>
+              <a:ext cx="5830757" cy="369332"/>
+            </a:xfrm>
+            <a:prstGeom prst="rect">
+              <a:avLst/>
+            </a:prstGeom>
+            <a:noFill/>
+          </p:spPr>
+          <p:txBody>
+            <a:bodyPr wrap="square" rtlCol="0">
+              <a:spAutoFit/>
+            </a:bodyPr>
+            <a:lstStyle/>
+            <a:p>
+              <a:r>
+                <a:rPr lang="en-US" dirty="0" smtClean="0"/>
+                <a:t>Scenario </a:t>
+              </a:r>
+              <a:r>
+                <a:rPr lang="en-US" dirty="0" smtClean="0"/>
+                <a:t>12-1</a:t>
+              </a:r>
+              <a:r>
+                <a:rPr lang="en-US" dirty="0" smtClean="0"/>
+                <a:t>	     Scenario </a:t>
+              </a:r>
+              <a:r>
+                <a:rPr lang="en-US" dirty="0" smtClean="0"/>
+                <a:t>12-2</a:t>
+              </a:r>
+              <a:r>
+                <a:rPr lang="en-US" dirty="0" smtClean="0"/>
+                <a:t>	        </a:t>
+              </a:r>
+              <a:r>
+                <a:rPr lang="en-US" dirty="0" smtClean="0"/>
+                <a:t>   </a:t>
+              </a:r>
+              <a:r>
+                <a:rPr lang="en-US" dirty="0" smtClean="0"/>
+                <a:t>Scenario </a:t>
+              </a:r>
+              <a:r>
+                <a:rPr lang="en-US" dirty="0" smtClean="0"/>
+                <a:t>12-3</a:t>
+              </a:r>
+              <a:endParaRPr lang="en-US" dirty="0"/>
+            </a:p>
+          </p:txBody>
+        </p:sp>
+        <p:grpSp>
+          <p:nvGrpSpPr>
+            <p:cNvPr id="38" name="Group 37"/>
+            <p:cNvGrpSpPr/>
+            <p:nvPr/>
+          </p:nvGrpSpPr>
+          <p:grpSpPr>
+            <a:xfrm>
+              <a:off x="962025" y="3389289"/>
+              <a:ext cx="1847850" cy="1847850"/>
+              <a:chOff x="0" y="0"/>
+              <a:chExt cx="1847850" cy="1847850"/>
+            </a:xfrm>
+          </p:grpSpPr>
+          <p:grpSp>
+            <p:nvGrpSpPr>
+              <p:cNvPr id="39" name="Group 38"/>
+              <p:cNvGrpSpPr/>
+              <p:nvPr/>
+            </p:nvGrpSpPr>
+            <p:grpSpPr>
+              <a:xfrm>
+                <a:off x="0" y="0"/>
+                <a:ext cx="1847850" cy="1847850"/>
+                <a:chOff x="0" y="0"/>
+                <a:chExt cx="1847850" cy="1847850"/>
+              </a:xfrm>
+            </p:grpSpPr>
+            <p:sp>
+              <p:nvSpPr>
+                <p:cNvPr id="41" name="Rectangle 40"/>
+                <p:cNvSpPr/>
+                <p:nvPr/>
+              </p:nvSpPr>
+              <p:spPr>
+                <a:xfrm>
+                  <a:off x="0" y="0"/>
+                  <a:ext cx="1847850" cy="1847850"/>
+                </a:xfrm>
+                <a:prstGeom prst="rect">
+                  <a:avLst/>
+                </a:prstGeom>
+              </p:spPr>
+              <p:style>
+                <a:lnRef idx="2">
+                  <a:schemeClr val="accent6"/>
+                </a:lnRef>
+                <a:fillRef idx="1">
+                  <a:schemeClr val="lt1"/>
+                </a:fillRef>
+                <a:effectRef idx="0">
+                  <a:schemeClr val="accent6"/>
+                </a:effectRef>
+                <a:fontRef idx="minor">
+                  <a:schemeClr val="dk1"/>
+                </a:fontRef>
+              </p:style>
+              <p:txBody>
+                <a:bodyPr rot="0" spcFirstLastPara="0" vert="horz" wrap="square" lIns="91440" tIns="45720" rIns="91440" bIns="45720" numCol="1" spcCol="0" rtlCol="0" fromWordArt="0" anchor="ctr" anchorCtr="0" forceAA="0" compatLnSpc="1">
+                  <a:prstTxWarp prst="textNoShape">
+                    <a:avLst/>
+                  </a:prstTxWarp>
+                  <a:noAutofit/>
+                </a:bodyPr>
+                <a:lstStyle/>
+                <a:p>
+                  <a:endParaRPr lang="en-US"/>
+                </a:p>
+              </p:txBody>
+            </p:sp>
+            <p:sp>
+              <p:nvSpPr>
+                <p:cNvPr id="42" name="Oval 41"/>
+                <p:cNvSpPr/>
+                <p:nvPr/>
+              </p:nvSpPr>
+              <p:spPr>
+                <a:xfrm>
+                  <a:off x="1679713" y="49695"/>
+                  <a:ext cx="133350" cy="133350"/>
+                </a:xfrm>
+                <a:prstGeom prst="ellipse">
+                  <a:avLst/>
+                </a:prstGeom>
+              </p:spPr>
+              <p:style>
+                <a:lnRef idx="2">
+                  <a:schemeClr val="accent1">
+                    <a:shade val="50000"/>
+                  </a:schemeClr>
+                </a:lnRef>
+                <a:fillRef idx="1">
+                  <a:schemeClr val="accent1"/>
+                </a:fillRef>
+                <a:effectRef idx="0">
+                  <a:schemeClr val="accent1"/>
+                </a:effectRef>
+                <a:fontRef idx="minor">
+                  <a:schemeClr val="lt1"/>
+                </a:fontRef>
+              </p:style>
+              <p:txBody>
+                <a:bodyPr rot="0" spcFirstLastPara="0" vert="horz" wrap="square" lIns="91440" tIns="45720" rIns="91440" bIns="45720" numCol="1" spcCol="0" rtlCol="0" fromWordArt="0" anchor="ctr" anchorCtr="0" forceAA="0" compatLnSpc="1">
+                  <a:prstTxWarp prst="textNoShape">
+                    <a:avLst/>
+                  </a:prstTxWarp>
+                  <a:noAutofit/>
+                </a:bodyPr>
+                <a:lstStyle/>
+                <a:p>
+                  <a:endParaRPr lang="en-US"/>
+                </a:p>
+              </p:txBody>
+            </p:sp>
+            <p:sp>
+              <p:nvSpPr>
+                <p:cNvPr id="43" name="Rectangle 42"/>
+                <p:cNvSpPr/>
+                <p:nvPr/>
+              </p:nvSpPr>
+              <p:spPr>
+                <a:xfrm>
+                  <a:off x="49696" y="1590260"/>
+                  <a:ext cx="209550" cy="209550"/>
+                </a:xfrm>
+                <a:prstGeom prst="rect">
+                  <a:avLst/>
+                </a:prstGeom>
+              </p:spPr>
+              <p:style>
+                <a:lnRef idx="2">
+                  <a:schemeClr val="accent1">
+                    <a:shade val="50000"/>
+                  </a:schemeClr>
+                </a:lnRef>
+                <a:fillRef idx="1">
+                  <a:schemeClr val="accent1"/>
+                </a:fillRef>
+                <a:effectRef idx="0">
+                  <a:schemeClr val="accent1"/>
+                </a:effectRef>
+                <a:fontRef idx="minor">
+                  <a:schemeClr val="lt1"/>
+                </a:fontRef>
+              </p:style>
+              <p:txBody>
+                <a:bodyPr rot="0" spcFirstLastPara="0" vert="horz" wrap="square" lIns="91440" tIns="45720" rIns="91440" bIns="45720" numCol="1" spcCol="0" rtlCol="0" fromWordArt="0" anchor="ctr" anchorCtr="0" forceAA="0" compatLnSpc="1">
+                  <a:prstTxWarp prst="textNoShape">
+                    <a:avLst/>
+                  </a:prstTxWarp>
+                  <a:noAutofit/>
+                </a:bodyPr>
+                <a:lstStyle/>
+                <a:p>
+                  <a:endParaRPr lang="en-US"/>
+                </a:p>
+              </p:txBody>
+            </p:sp>
+          </p:grpSp>
+          <p:sp>
+            <p:nvSpPr>
+              <p:cNvPr id="40" name="Isosceles Triangle 39"/>
+              <p:cNvSpPr/>
+              <p:nvPr/>
+            </p:nvSpPr>
+            <p:spPr>
+              <a:xfrm>
+                <a:off x="1461052" y="119269"/>
+                <a:ext cx="228600" cy="197069"/>
+              </a:xfrm>
+              <a:prstGeom prst="triangle">
+                <a:avLst/>
+              </a:prstGeom>
+            </p:spPr>
+            <p:style>
+              <a:lnRef idx="2">
+                <a:schemeClr val="accent1">
+                  <a:shade val="50000"/>
+                </a:schemeClr>
+              </a:lnRef>
+              <a:fillRef idx="1">
+                <a:schemeClr val="accent1"/>
+              </a:fillRef>
+              <a:effectRef idx="0">
+                <a:schemeClr val="accent1"/>
+              </a:effectRef>
+              <a:fontRef idx="minor">
+                <a:schemeClr val="lt1"/>
+              </a:fontRef>
+            </p:style>
+            <p:txBody>
+              <a:bodyPr rot="0" spcFirstLastPara="0" vert="horz" wrap="square" lIns="91440" tIns="45720" rIns="91440" bIns="45720" numCol="1" spcCol="0" rtlCol="0" fromWordArt="0" anchor="ctr" anchorCtr="0" forceAA="0" compatLnSpc="1">
+                <a:prstTxWarp prst="textNoShape">
+                  <a:avLst/>
+                </a:prstTxWarp>
+                <a:noAutofit/>
+              </a:bodyPr>
+              <a:lstStyle/>
+              <a:p>
+                <a:endParaRPr lang="en-US"/>
+              </a:p>
+            </p:txBody>
+          </p:sp>
+        </p:grpSp>
+        <p:grpSp>
+          <p:nvGrpSpPr>
+            <p:cNvPr id="51" name="Group 50"/>
+            <p:cNvGrpSpPr/>
+            <p:nvPr/>
+          </p:nvGrpSpPr>
+          <p:grpSpPr>
+            <a:xfrm>
+              <a:off x="3094895" y="3389289"/>
+              <a:ext cx="1847850" cy="1847850"/>
+              <a:chOff x="0" y="0"/>
+              <a:chExt cx="1847850" cy="1847850"/>
+            </a:xfrm>
+          </p:grpSpPr>
+          <p:grpSp>
+            <p:nvGrpSpPr>
+              <p:cNvPr id="52" name="Group 51"/>
+              <p:cNvGrpSpPr/>
+              <p:nvPr/>
+            </p:nvGrpSpPr>
+            <p:grpSpPr>
+              <a:xfrm>
+                <a:off x="0" y="0"/>
+                <a:ext cx="1847850" cy="1847850"/>
+                <a:chOff x="0" y="0"/>
+                <a:chExt cx="1847850" cy="1847850"/>
+              </a:xfrm>
+            </p:grpSpPr>
+            <p:sp>
+              <p:nvSpPr>
+                <p:cNvPr id="54" name="Rectangle 53"/>
+                <p:cNvSpPr/>
+                <p:nvPr/>
+              </p:nvSpPr>
+              <p:spPr>
+                <a:xfrm>
+                  <a:off x="0" y="0"/>
+                  <a:ext cx="1847850" cy="1847850"/>
+                </a:xfrm>
+                <a:prstGeom prst="rect">
+                  <a:avLst/>
+                </a:prstGeom>
+              </p:spPr>
+              <p:style>
+                <a:lnRef idx="2">
+                  <a:schemeClr val="accent6"/>
+                </a:lnRef>
+                <a:fillRef idx="1">
+                  <a:schemeClr val="lt1"/>
+                </a:fillRef>
+                <a:effectRef idx="0">
+                  <a:schemeClr val="accent6"/>
+                </a:effectRef>
+                <a:fontRef idx="minor">
+                  <a:schemeClr val="dk1"/>
+                </a:fontRef>
+              </p:style>
+              <p:txBody>
+                <a:bodyPr rot="0" spcFirstLastPara="0" vert="horz" wrap="square" lIns="91440" tIns="45720" rIns="91440" bIns="45720" numCol="1" spcCol="0" rtlCol="0" fromWordArt="0" anchor="ctr" anchorCtr="0" forceAA="0" compatLnSpc="1">
+                  <a:prstTxWarp prst="textNoShape">
+                    <a:avLst/>
+                  </a:prstTxWarp>
+                  <a:noAutofit/>
+                </a:bodyPr>
+                <a:lstStyle/>
+                <a:p>
+                  <a:endParaRPr lang="en-US"/>
+                </a:p>
+              </p:txBody>
+            </p:sp>
+            <p:sp>
+              <p:nvSpPr>
+                <p:cNvPr id="55" name="Oval 54"/>
+                <p:cNvSpPr/>
+                <p:nvPr/>
+              </p:nvSpPr>
+              <p:spPr>
+                <a:xfrm>
+                  <a:off x="1679713" y="49695"/>
+                  <a:ext cx="133350" cy="133350"/>
+                </a:xfrm>
+                <a:prstGeom prst="ellipse">
+                  <a:avLst/>
+                </a:prstGeom>
+              </p:spPr>
+              <p:style>
+                <a:lnRef idx="2">
+                  <a:schemeClr val="accent1">
+                    <a:shade val="50000"/>
+                  </a:schemeClr>
+                </a:lnRef>
+                <a:fillRef idx="1">
+                  <a:schemeClr val="accent1"/>
+                </a:fillRef>
+                <a:effectRef idx="0">
+                  <a:schemeClr val="accent1"/>
+                </a:effectRef>
+                <a:fontRef idx="minor">
+                  <a:schemeClr val="lt1"/>
+                </a:fontRef>
+              </p:style>
+              <p:txBody>
+                <a:bodyPr rot="0" spcFirstLastPara="0" vert="horz" wrap="square" lIns="91440" tIns="45720" rIns="91440" bIns="45720" numCol="1" spcCol="0" rtlCol="0" fromWordArt="0" anchor="ctr" anchorCtr="0" forceAA="0" compatLnSpc="1">
+                  <a:prstTxWarp prst="textNoShape">
+                    <a:avLst/>
+                  </a:prstTxWarp>
+                  <a:noAutofit/>
+                </a:bodyPr>
+                <a:lstStyle/>
+                <a:p>
+                  <a:endParaRPr lang="en-US"/>
+                </a:p>
+              </p:txBody>
+            </p:sp>
+            <p:sp>
+              <p:nvSpPr>
+                <p:cNvPr id="56" name="Rectangle 55"/>
+                <p:cNvSpPr/>
+                <p:nvPr/>
+              </p:nvSpPr>
+              <p:spPr>
+                <a:xfrm>
+                  <a:off x="49696" y="1590260"/>
+                  <a:ext cx="209550" cy="209550"/>
+                </a:xfrm>
+                <a:prstGeom prst="rect">
+                  <a:avLst/>
+                </a:prstGeom>
+              </p:spPr>
+              <p:style>
+                <a:lnRef idx="2">
+                  <a:schemeClr val="accent1">
+                    <a:shade val="50000"/>
+                  </a:schemeClr>
+                </a:lnRef>
+                <a:fillRef idx="1">
+                  <a:schemeClr val="accent1"/>
+                </a:fillRef>
+                <a:effectRef idx="0">
+                  <a:schemeClr val="accent1"/>
+                </a:effectRef>
+                <a:fontRef idx="minor">
+                  <a:schemeClr val="lt1"/>
+                </a:fontRef>
+              </p:style>
+              <p:txBody>
+                <a:bodyPr rot="0" spcFirstLastPara="0" vert="horz" wrap="square" lIns="91440" tIns="45720" rIns="91440" bIns="45720" numCol="1" spcCol="0" rtlCol="0" fromWordArt="0" anchor="ctr" anchorCtr="0" forceAA="0" compatLnSpc="1">
+                  <a:prstTxWarp prst="textNoShape">
+                    <a:avLst/>
+                  </a:prstTxWarp>
+                  <a:noAutofit/>
+                </a:bodyPr>
+                <a:lstStyle/>
+                <a:p>
+                  <a:endParaRPr lang="en-US"/>
+                </a:p>
+              </p:txBody>
+            </p:sp>
+          </p:grpSp>
+          <p:sp>
+            <p:nvSpPr>
+              <p:cNvPr id="53" name="Isosceles Triangle 52"/>
+              <p:cNvSpPr/>
+              <p:nvPr/>
+            </p:nvSpPr>
+            <p:spPr>
+              <a:xfrm>
+                <a:off x="805070" y="815009"/>
+                <a:ext cx="228600" cy="196850"/>
+              </a:xfrm>
+              <a:prstGeom prst="triangle">
+                <a:avLst/>
+              </a:prstGeom>
+            </p:spPr>
+            <p:style>
+              <a:lnRef idx="2">
+                <a:schemeClr val="accent1">
+                  <a:shade val="50000"/>
+                </a:schemeClr>
+              </a:lnRef>
+              <a:fillRef idx="1">
+                <a:schemeClr val="accent1"/>
+              </a:fillRef>
+              <a:effectRef idx="0">
+                <a:schemeClr val="accent1"/>
+              </a:effectRef>
+              <a:fontRef idx="minor">
+                <a:schemeClr val="lt1"/>
+              </a:fontRef>
+            </p:style>
+            <p:txBody>
+              <a:bodyPr rot="0" spcFirstLastPara="0" vert="horz" wrap="square" lIns="91440" tIns="45720" rIns="91440" bIns="45720" numCol="1" spcCol="0" rtlCol="0" fromWordArt="0" anchor="ctr" anchorCtr="0" forceAA="0" compatLnSpc="1">
+                <a:prstTxWarp prst="textNoShape">
+                  <a:avLst/>
+                </a:prstTxWarp>
+                <a:noAutofit/>
+              </a:bodyPr>
+              <a:lstStyle/>
+              <a:p>
+                <a:endParaRPr lang="en-US"/>
+              </a:p>
+            </p:txBody>
+          </p:sp>
+        </p:grpSp>
+        <p:grpSp>
+          <p:nvGrpSpPr>
+            <p:cNvPr id="57" name="Group 56"/>
+            <p:cNvGrpSpPr/>
+            <p:nvPr/>
+          </p:nvGrpSpPr>
+          <p:grpSpPr>
+            <a:xfrm>
+              <a:off x="5168524" y="3389289"/>
+              <a:ext cx="1847850" cy="1847850"/>
+              <a:chOff x="0" y="0"/>
+              <a:chExt cx="1847850" cy="1847850"/>
+            </a:xfrm>
+          </p:grpSpPr>
+          <p:grpSp>
+            <p:nvGrpSpPr>
+              <p:cNvPr id="58" name="Group 57"/>
+              <p:cNvGrpSpPr/>
+              <p:nvPr/>
+            </p:nvGrpSpPr>
+            <p:grpSpPr>
+              <a:xfrm>
+                <a:off x="0" y="0"/>
+                <a:ext cx="1847850" cy="1847850"/>
+                <a:chOff x="0" y="0"/>
+                <a:chExt cx="1847850" cy="1847850"/>
+              </a:xfrm>
+            </p:grpSpPr>
+            <p:sp>
+              <p:nvSpPr>
+                <p:cNvPr id="60" name="Rectangle 59"/>
+                <p:cNvSpPr/>
+                <p:nvPr/>
+              </p:nvSpPr>
+              <p:spPr>
+                <a:xfrm>
+                  <a:off x="0" y="0"/>
+                  <a:ext cx="1847850" cy="1847850"/>
+                </a:xfrm>
+                <a:prstGeom prst="rect">
+                  <a:avLst/>
+                </a:prstGeom>
+              </p:spPr>
+              <p:style>
+                <a:lnRef idx="2">
+                  <a:schemeClr val="accent6"/>
+                </a:lnRef>
+                <a:fillRef idx="1">
+                  <a:schemeClr val="lt1"/>
+                </a:fillRef>
+                <a:effectRef idx="0">
+                  <a:schemeClr val="accent6"/>
+                </a:effectRef>
+                <a:fontRef idx="minor">
+                  <a:schemeClr val="dk1"/>
+                </a:fontRef>
+              </p:style>
+              <p:txBody>
+                <a:bodyPr rot="0" spcFirstLastPara="0" vert="horz" wrap="square" lIns="91440" tIns="45720" rIns="91440" bIns="45720" numCol="1" spcCol="0" rtlCol="0" fromWordArt="0" anchor="ctr" anchorCtr="0" forceAA="0" compatLnSpc="1">
+                  <a:prstTxWarp prst="textNoShape">
+                    <a:avLst/>
+                  </a:prstTxWarp>
+                  <a:noAutofit/>
+                </a:bodyPr>
+                <a:lstStyle/>
+                <a:p>
+                  <a:endParaRPr lang="en-US"/>
+                </a:p>
+              </p:txBody>
+            </p:sp>
+            <p:sp>
+              <p:nvSpPr>
+                <p:cNvPr id="61" name="Oval 60"/>
+                <p:cNvSpPr/>
+                <p:nvPr/>
+              </p:nvSpPr>
+              <p:spPr>
+                <a:xfrm>
+                  <a:off x="1679713" y="49695"/>
+                  <a:ext cx="133350" cy="133350"/>
+                </a:xfrm>
+                <a:prstGeom prst="ellipse">
+                  <a:avLst/>
+                </a:prstGeom>
+              </p:spPr>
+              <p:style>
+                <a:lnRef idx="2">
+                  <a:schemeClr val="accent1">
+                    <a:shade val="50000"/>
+                  </a:schemeClr>
+                </a:lnRef>
+                <a:fillRef idx="1">
+                  <a:schemeClr val="accent1"/>
+                </a:fillRef>
+                <a:effectRef idx="0">
+                  <a:schemeClr val="accent1"/>
+                </a:effectRef>
+                <a:fontRef idx="minor">
+                  <a:schemeClr val="lt1"/>
+                </a:fontRef>
+              </p:style>
+              <p:txBody>
+                <a:bodyPr rot="0" spcFirstLastPara="0" vert="horz" wrap="square" lIns="91440" tIns="45720" rIns="91440" bIns="45720" numCol="1" spcCol="0" rtlCol="0" fromWordArt="0" anchor="ctr" anchorCtr="0" forceAA="0" compatLnSpc="1">
+                  <a:prstTxWarp prst="textNoShape">
+                    <a:avLst/>
+                  </a:prstTxWarp>
+                  <a:noAutofit/>
+                </a:bodyPr>
+                <a:lstStyle/>
+                <a:p>
+                  <a:endParaRPr lang="en-US"/>
+                </a:p>
+              </p:txBody>
+            </p:sp>
+            <p:sp>
+              <p:nvSpPr>
+                <p:cNvPr id="62" name="Rectangle 61"/>
+                <p:cNvSpPr/>
+                <p:nvPr/>
+              </p:nvSpPr>
+              <p:spPr>
+                <a:xfrm>
+                  <a:off x="49696" y="1590260"/>
+                  <a:ext cx="209550" cy="209550"/>
+                </a:xfrm>
+                <a:prstGeom prst="rect">
+                  <a:avLst/>
+                </a:prstGeom>
+              </p:spPr>
+              <p:style>
+                <a:lnRef idx="2">
+                  <a:schemeClr val="accent1">
+                    <a:shade val="50000"/>
+                  </a:schemeClr>
+                </a:lnRef>
+                <a:fillRef idx="1">
+                  <a:schemeClr val="accent1"/>
+                </a:fillRef>
+                <a:effectRef idx="0">
+                  <a:schemeClr val="accent1"/>
+                </a:effectRef>
+                <a:fontRef idx="minor">
+                  <a:schemeClr val="lt1"/>
+                </a:fontRef>
+              </p:style>
+              <p:txBody>
+                <a:bodyPr rot="0" spcFirstLastPara="0" vert="horz" wrap="square" lIns="91440" tIns="45720" rIns="91440" bIns="45720" numCol="1" spcCol="0" rtlCol="0" fromWordArt="0" anchor="ctr" anchorCtr="0" forceAA="0" compatLnSpc="1">
+                  <a:prstTxWarp prst="textNoShape">
+                    <a:avLst/>
+                  </a:prstTxWarp>
+                  <a:noAutofit/>
+                </a:bodyPr>
+                <a:lstStyle/>
+                <a:p>
+                  <a:endParaRPr lang="en-US"/>
+                </a:p>
+              </p:txBody>
+            </p:sp>
+          </p:grpSp>
+          <p:sp>
+            <p:nvSpPr>
+              <p:cNvPr id="59" name="Isosceles Triangle 58"/>
+              <p:cNvSpPr/>
+              <p:nvPr/>
+            </p:nvSpPr>
+            <p:spPr>
+              <a:xfrm>
+                <a:off x="347870" y="1331843"/>
+                <a:ext cx="228600" cy="196850"/>
+              </a:xfrm>
+              <a:prstGeom prst="triangle">
+                <a:avLst/>
+              </a:prstGeom>
+            </p:spPr>
+            <p:style>
+              <a:lnRef idx="2">
+                <a:schemeClr val="accent1">
+                  <a:shade val="50000"/>
+                </a:schemeClr>
+              </a:lnRef>
+              <a:fillRef idx="1">
+                <a:schemeClr val="accent1"/>
+              </a:fillRef>
+              <a:effectRef idx="0">
+                <a:schemeClr val="accent1"/>
+              </a:effectRef>
+              <a:fontRef idx="minor">
+                <a:schemeClr val="lt1"/>
+              </a:fontRef>
+            </p:style>
+            <p:txBody>
+              <a:bodyPr rot="0" spcFirstLastPara="0" vert="horz" wrap="square" lIns="91440" tIns="45720" rIns="91440" bIns="45720" numCol="1" spcCol="0" rtlCol="0" fromWordArt="0" anchor="ctr" anchorCtr="0" forceAA="0" compatLnSpc="1">
+                <a:prstTxWarp prst="textNoShape">
+                  <a:avLst/>
+                </a:prstTxWarp>
+                <a:noAutofit/>
+              </a:bodyPr>
+              <a:lstStyle/>
+              <a:p>
+                <a:endParaRPr lang="en-US"/>
+              </a:p>
+            </p:txBody>
+          </p:sp>
+        </p:grpSp>
+      </p:grpSp>
     </p:spTree>
     <p:extLst>
       <p:ext uri="{BB962C8B-B14F-4D97-AF65-F5344CB8AC3E}">
-        <p14:creationId xmlns:p14="http://schemas.microsoft.com/office/powerpoint/2010/main" val="4261208919"/>
+        <p14:creationId xmlns:p14="http://schemas.microsoft.com/office/powerpoint/2010/main" val="2571326297"/>
       </p:ext>
     </p:extLst>
   </p:cSld>
   <p:clrMapOvr>
     <a:masterClrMapping/>
   </p:clrMapOvr>
-  <mc:AlternateContent xmlns:mc="http://schemas.openxmlformats.org/markup-compatibility/2006">
-    <mc:Choice xmlns:p14="http://schemas.microsoft.com/office/powerpoint/2010/main" Requires="p14">
-      <p:transition spd="med" p14:dur="700">
-        <p:fade/>
-      </p:transition>
-    </mc:Choice>
-    <mc:Fallback>
-      <p:transition spd="med">
-        <p:fade/>
-      </p:transition>
-    </mc:Fallback>
-  </mc:AlternateContent>
   <p:timing>
     <p:tnLst>
       <p:par>
